--- a/Documents/Presentation-KodKodKod.pptx
+++ b/Documents/Presentation-KodKodKod.pptx
@@ -266,7 +266,7 @@
           <a:p>
             <a:fld id="{7232B0C9-0BA6-4E71-83B2-6126115AA0C8}" type="datetimeFigureOut">
               <a:rPr lang="en-US" smtClean="0"/>
-              <a:t>6/26/2022</a:t>
+              <a:t>6/27/2022</a:t>
             </a:fld>
             <a:endParaRPr lang="en-US"/>
           </a:p>
@@ -464,7 +464,7 @@
           <a:p>
             <a:fld id="{7232B0C9-0BA6-4E71-83B2-6126115AA0C8}" type="datetimeFigureOut">
               <a:rPr lang="en-US" smtClean="0"/>
-              <a:t>6/26/2022</a:t>
+              <a:t>6/27/2022</a:t>
             </a:fld>
             <a:endParaRPr lang="en-US"/>
           </a:p>
@@ -672,7 +672,7 @@
           <a:p>
             <a:fld id="{7232B0C9-0BA6-4E71-83B2-6126115AA0C8}" type="datetimeFigureOut">
               <a:rPr lang="en-US" smtClean="0"/>
-              <a:t>6/26/2022</a:t>
+              <a:t>6/27/2022</a:t>
             </a:fld>
             <a:endParaRPr lang="en-US"/>
           </a:p>
@@ -870,7 +870,7 @@
           <a:p>
             <a:fld id="{7232B0C9-0BA6-4E71-83B2-6126115AA0C8}" type="datetimeFigureOut">
               <a:rPr lang="en-US" smtClean="0"/>
-              <a:t>6/26/2022</a:t>
+              <a:t>6/27/2022</a:t>
             </a:fld>
             <a:endParaRPr lang="en-US"/>
           </a:p>
@@ -1145,7 +1145,7 @@
           <a:p>
             <a:fld id="{7232B0C9-0BA6-4E71-83B2-6126115AA0C8}" type="datetimeFigureOut">
               <a:rPr lang="en-US" smtClean="0"/>
-              <a:t>6/26/2022</a:t>
+              <a:t>6/27/2022</a:t>
             </a:fld>
             <a:endParaRPr lang="en-US"/>
           </a:p>
@@ -1410,7 +1410,7 @@
           <a:p>
             <a:fld id="{7232B0C9-0BA6-4E71-83B2-6126115AA0C8}" type="datetimeFigureOut">
               <a:rPr lang="en-US" smtClean="0"/>
-              <a:t>6/26/2022</a:t>
+              <a:t>6/27/2022</a:t>
             </a:fld>
             <a:endParaRPr lang="en-US"/>
           </a:p>
@@ -1822,7 +1822,7 @@
           <a:p>
             <a:fld id="{7232B0C9-0BA6-4E71-83B2-6126115AA0C8}" type="datetimeFigureOut">
               <a:rPr lang="en-US" smtClean="0"/>
-              <a:t>6/26/2022</a:t>
+              <a:t>6/27/2022</a:t>
             </a:fld>
             <a:endParaRPr lang="en-US"/>
           </a:p>
@@ -1963,7 +1963,7 @@
           <a:p>
             <a:fld id="{7232B0C9-0BA6-4E71-83B2-6126115AA0C8}" type="datetimeFigureOut">
               <a:rPr lang="en-US" smtClean="0"/>
-              <a:t>6/26/2022</a:t>
+              <a:t>6/27/2022</a:t>
             </a:fld>
             <a:endParaRPr lang="en-US"/>
           </a:p>
@@ -2076,7 +2076,7 @@
           <a:p>
             <a:fld id="{7232B0C9-0BA6-4E71-83B2-6126115AA0C8}" type="datetimeFigureOut">
               <a:rPr lang="en-US" smtClean="0"/>
-              <a:t>6/26/2022</a:t>
+              <a:t>6/27/2022</a:t>
             </a:fld>
             <a:endParaRPr lang="en-US"/>
           </a:p>
@@ -2387,7 +2387,7 @@
           <a:p>
             <a:fld id="{7232B0C9-0BA6-4E71-83B2-6126115AA0C8}" type="datetimeFigureOut">
               <a:rPr lang="en-US" smtClean="0"/>
-              <a:t>6/26/2022</a:t>
+              <a:t>6/27/2022</a:t>
             </a:fld>
             <a:endParaRPr lang="en-US"/>
           </a:p>
@@ -2675,7 +2675,7 @@
           <a:p>
             <a:fld id="{7232B0C9-0BA6-4E71-83B2-6126115AA0C8}" type="datetimeFigureOut">
               <a:rPr lang="en-US" smtClean="0"/>
-              <a:t>6/26/2022</a:t>
+              <a:t>6/27/2022</a:t>
             </a:fld>
             <a:endParaRPr lang="en-US"/>
           </a:p>
@@ -2916,7 +2916,7 @@
           <a:p>
             <a:fld id="{7232B0C9-0BA6-4E71-83B2-6126115AA0C8}" type="datetimeFigureOut">
               <a:rPr lang="en-US" smtClean="0"/>
-              <a:t>6/26/2022</a:t>
+              <a:t>6/27/2022</a:t>
             </a:fld>
             <a:endParaRPr lang="en-US"/>
           </a:p>
@@ -3746,7 +3746,7 @@
         </p:blipFill>
         <p:spPr>
           <a:xfrm>
-            <a:off x="1140472" y="310826"/>
+            <a:off x="1140472" y="255407"/>
             <a:ext cx="1580469" cy="1571005"/>
           </a:xfrm>
           <a:prstGeom prst="ellipse">
@@ -4386,7 +4386,7 @@
         <p:spPr>
           <a:xfrm>
             <a:off x="7137185" y="3889183"/>
-            <a:ext cx="1626599" cy="369332"/>
+            <a:ext cx="1615379" cy="369332"/>
           </a:xfrm>
           <a:prstGeom prst="rect">
             <a:avLst/>
@@ -4409,7 +4409,7 @@
             </a:r>
             <a:r>
               <a:rPr lang="en-US" dirty="0" err="1"/>
-              <a:t>Chandur</a:t>
+              <a:t>Chandar</a:t>
             </a:r>
             <a:endParaRPr lang="en-US" dirty="0"/>
           </a:p>
@@ -4430,7 +4430,7 @@
         <p:spPr>
           <a:xfrm>
             <a:off x="5387667" y="5390931"/>
-            <a:ext cx="1505284" cy="369332"/>
+            <a:ext cx="1593578" cy="369332"/>
           </a:xfrm>
           <a:prstGeom prst="rect">
             <a:avLst/>
@@ -4453,7 +4453,7 @@
             </a:r>
             <a:r>
               <a:rPr lang="en-US" dirty="0" err="1"/>
-              <a:t>Stoqnov</a:t>
+              <a:t>Stoyanov</a:t>
             </a:r>
             <a:endParaRPr lang="en-US" dirty="0"/>
           </a:p>
@@ -4682,7 +4682,7 @@
         <p:spPr>
           <a:xfrm>
             <a:off x="9744923" y="2153312"/>
-            <a:ext cx="2074927" cy="369332"/>
+            <a:ext cx="1913922" cy="646331"/>
           </a:xfrm>
           <a:prstGeom prst="rect">
             <a:avLst/>
@@ -4701,8 +4701,11 @@
             </a:r>
             <a:r>
               <a:rPr lang="en-US" dirty="0" err="1"/>
-              <a:t>Tsvyatkov</a:t>
-            </a:r>
+              <a:t>Tsachev</a:t>
+            </a:r>
+            <a:endParaRPr lang="en-US" dirty="0"/>
+          </a:p>
+          <a:p>
             <a:endParaRPr lang="en-US" dirty="0"/>
           </a:p>
         </p:txBody>
@@ -7291,8 +7294,8 @@
         </p:nvSpPr>
         <p:spPr>
           <a:xfrm>
-            <a:off x="3109244" y="2533777"/>
-            <a:ext cx="6188580" cy="707886"/>
+            <a:off x="3109243" y="2533778"/>
+            <a:ext cx="7023047" cy="707886"/>
           </a:xfrm>
           <a:prstGeom prst="rect">
             <a:avLst/>
@@ -7307,7 +7310,7 @@
           <a:p>
             <a:r>
               <a:rPr lang="en-US" sz="4000" dirty="0"/>
-              <a:t>Thank you for you attention.</a:t>
+              <a:t>Thank you for your attention.</a:t>
             </a:r>
           </a:p>
         </p:txBody>
